--- a/final project.pptx
+++ b/final project.pptx
@@ -8378,7 +8378,19 @@
             </a:r>
             <a:r>
               <a:rPr lang="af" sz="1600"/>
-              <a:t> or </a:t>
+              <a:t> </a:t>
+            </a:r>
+            <a:r>
+              <a:rPr lang="af" sz="1600">
+                <a:solidFill>
+                  <a:schemeClr val="dk1"/>
+                </a:solidFill>
+              </a:rPr>
+              <a:t>or</a:t>
+            </a:r>
+            <a:r>
+              <a:rPr lang="af" sz="1600"/>
+              <a:t> </a:t>
             </a:r>
             <a:r>
               <a:rPr b="1" lang="af" sz="1600">
@@ -8589,7 +8601,7 @@
         </p:nvSpPr>
         <p:spPr>
           <a:xfrm>
-            <a:off x="311700" y="1393725"/>
+            <a:off x="397850" y="1419575"/>
             <a:ext cx="8520600" cy="2993400"/>
           </a:xfrm>
           <a:prstGeom prst="rect">
@@ -10297,7 +10309,7 @@
             <a:tbl>
               <a:tblPr>
                 <a:noFill/>
-                <a:tableStyleId>{93FC03A8-6006-4786-A040-F5C83276A889}</a:tableStyleId>
+                <a:tableStyleId>{27121B76-D21F-4277-B077-406C0E2C91C3}</a:tableStyleId>
               </a:tblPr>
               <a:tblGrid>
                 <a:gridCol w="597425"/>
@@ -11717,7 +11729,7 @@
             <a:tbl>
               <a:tblPr>
                 <a:noFill/>
-                <a:tableStyleId>{93FC03A8-6006-4786-A040-F5C83276A889}</a:tableStyleId>
+                <a:tableStyleId>{27121B76-D21F-4277-B077-406C0E2C91C3}</a:tableStyleId>
               </a:tblPr>
               <a:tblGrid>
                 <a:gridCol w="612250"/>
@@ -13354,7 +13366,7 @@
             <a:tbl>
               <a:tblPr>
                 <a:noFill/>
-                <a:tableStyleId>{93FC03A8-6006-4786-A040-F5C83276A889}</a:tableStyleId>
+                <a:tableStyleId>{27121B76-D21F-4277-B077-406C0E2C91C3}</a:tableStyleId>
               </a:tblPr>
               <a:tblGrid>
                 <a:gridCol w="1156975"/>
@@ -14246,7 +14258,7 @@
             <a:tbl>
               <a:tblPr>
                 <a:noFill/>
-                <a:tableStyleId>{93FC03A8-6006-4786-A040-F5C83276A889}</a:tableStyleId>
+                <a:tableStyleId>{27121B76-D21F-4277-B077-406C0E2C91C3}</a:tableStyleId>
               </a:tblPr>
               <a:tblGrid>
                 <a:gridCol w="5061600"/>
@@ -14295,7 +14307,7 @@
             <a:tbl>
               <a:tblPr>
                 <a:noFill/>
-                <a:tableStyleId>{93FC03A8-6006-4786-A040-F5C83276A889}</a:tableStyleId>
+                <a:tableStyleId>{27121B76-D21F-4277-B077-406C0E2C91C3}</a:tableStyleId>
               </a:tblPr>
               <a:tblGrid>
                 <a:gridCol w="1687200"/>
@@ -14551,7 +14563,7 @@
             <a:tbl>
               <a:tblPr>
                 <a:noFill/>
-                <a:tableStyleId>{93FC03A8-6006-4786-A040-F5C83276A889}</a:tableStyleId>
+                <a:tableStyleId>{27121B76-D21F-4277-B077-406C0E2C91C3}</a:tableStyleId>
               </a:tblPr>
               <a:tblGrid>
                 <a:gridCol w="883500"/>
@@ -15923,7 +15935,7 @@
             <a:tbl>
               <a:tblPr>
                 <a:noFill/>
-                <a:tableStyleId>{93FC03A8-6006-4786-A040-F5C83276A889}</a:tableStyleId>
+                <a:tableStyleId>{27121B76-D21F-4277-B077-406C0E2C91C3}</a:tableStyleId>
               </a:tblPr>
               <a:tblGrid>
                 <a:gridCol w="754575"/>
@@ -17833,7 +17845,7 @@
             <a:tbl>
               <a:tblPr>
                 <a:noFill/>
-                <a:tableStyleId>{93FC03A8-6006-4786-A040-F5C83276A889}</a:tableStyleId>
+                <a:tableStyleId>{27121B76-D21F-4277-B077-406C0E2C91C3}</a:tableStyleId>
               </a:tblPr>
               <a:tblGrid>
                 <a:gridCol w="650325"/>

--- a/final project.pptx
+++ b/final project.pptx
@@ -2,35 +2,35 @@
 <file path=ppt/presentation.xml><?xml version="1.0" encoding="utf-8"?>
 <p:presentation xmlns:a="http://schemas.openxmlformats.org/drawingml/2006/main" xmlns:r="http://schemas.openxmlformats.org/officeDocument/2006/relationships" xmlns:mc="http://schemas.openxmlformats.org/markup-compatibility/2006" xmlns:mv="urn:schemas-microsoft-com:mac:vml" xmlns:p="http://schemas.openxmlformats.org/presentationml/2006/main" xmlns:c="http://schemas.openxmlformats.org/drawingml/2006/chart" xmlns:dgm="http://schemas.openxmlformats.org/drawingml/2006/diagram" xmlns:o="urn:schemas-microsoft-com:office:office" xmlns:v="urn:schemas-microsoft-com:vml" xmlns:pvml="urn:schemas-microsoft-com:office:powerpoint" xmlns:com="http://schemas.openxmlformats.org/drawingml/2006/compatibility" xmlns:p14="http://schemas.microsoft.com/office/powerpoint/2010/main" xmlns:p15="http://schemas.microsoft.com/office/powerpoint/2012/main" xmlns:ahyp="http://schemas.microsoft.com/office/drawing/2018/hyperlinkcolor" autoCompressPictures="0" strictFirstAndLastChars="0" saveSubsetFonts="1">
   <p:sldMasterIdLst>
-    <p:sldMasterId id="2147483659" r:id="rId6"/>
+    <p:sldMasterId id="2147483659" r:id="rId5"/>
   </p:sldMasterIdLst>
   <p:notesMasterIdLst>
-    <p:notesMasterId r:id="rId7"/>
+    <p:notesMasterId r:id="rId6"/>
   </p:notesMasterIdLst>
   <p:sldIdLst>
-    <p:sldId id="256" r:id="rId8"/>
-    <p:sldId id="257" r:id="rId9"/>
-    <p:sldId id="258" r:id="rId10"/>
-    <p:sldId id="259" r:id="rId11"/>
-    <p:sldId id="260" r:id="rId12"/>
-    <p:sldId id="261" r:id="rId13"/>
-    <p:sldId id="262" r:id="rId14"/>
-    <p:sldId id="263" r:id="rId15"/>
-    <p:sldId id="264" r:id="rId16"/>
-    <p:sldId id="265" r:id="rId17"/>
-    <p:sldId id="266" r:id="rId18"/>
-    <p:sldId id="267" r:id="rId19"/>
-    <p:sldId id="268" r:id="rId20"/>
-    <p:sldId id="269" r:id="rId21"/>
-    <p:sldId id="270" r:id="rId22"/>
-    <p:sldId id="271" r:id="rId23"/>
-    <p:sldId id="272" r:id="rId24"/>
-    <p:sldId id="273" r:id="rId25"/>
-    <p:sldId id="274" r:id="rId26"/>
-    <p:sldId id="275" r:id="rId27"/>
-    <p:sldId id="276" r:id="rId28"/>
-    <p:sldId id="277" r:id="rId29"/>
-    <p:sldId id="278" r:id="rId30"/>
+    <p:sldId id="256" r:id="rId7"/>
+    <p:sldId id="257" r:id="rId8"/>
+    <p:sldId id="258" r:id="rId9"/>
+    <p:sldId id="259" r:id="rId10"/>
+    <p:sldId id="260" r:id="rId11"/>
+    <p:sldId id="261" r:id="rId12"/>
+    <p:sldId id="262" r:id="rId13"/>
+    <p:sldId id="263" r:id="rId14"/>
+    <p:sldId id="264" r:id="rId15"/>
+    <p:sldId id="265" r:id="rId16"/>
+    <p:sldId id="266" r:id="rId17"/>
+    <p:sldId id="267" r:id="rId18"/>
+    <p:sldId id="268" r:id="rId19"/>
+    <p:sldId id="269" r:id="rId20"/>
+    <p:sldId id="270" r:id="rId21"/>
+    <p:sldId id="271" r:id="rId22"/>
+    <p:sldId id="272" r:id="rId23"/>
+    <p:sldId id="273" r:id="rId24"/>
+    <p:sldId id="274" r:id="rId25"/>
+    <p:sldId id="275" r:id="rId26"/>
+    <p:sldId id="276" r:id="rId27"/>
+    <p:sldId id="277" r:id="rId28"/>
+    <p:sldId id="278" r:id="rId29"/>
   </p:sldIdLst>
   <p:sldSz cy="5143500" cx="9144000"/>
   <p:notesSz cx="6858000" cy="9144000"/>
@@ -280,29 +280,6 @@
     </p:ext>
   </p:extLst>
 </p:presentation>
-</file>
-
-<file path=ppt/commentAuthors.xml><?xml version="1.0" encoding="utf-8"?>
-<p:cmAuthorLst xmlns:a="http://schemas.openxmlformats.org/drawingml/2006/main" xmlns:r="http://schemas.openxmlformats.org/officeDocument/2006/relationships" xmlns:mc="http://schemas.openxmlformats.org/markup-compatibility/2006" xmlns:mv="urn:schemas-microsoft-com:mac:vml" xmlns:p="http://schemas.openxmlformats.org/presentationml/2006/main" xmlns:c="http://schemas.openxmlformats.org/drawingml/2006/chart" xmlns:dgm="http://schemas.openxmlformats.org/drawingml/2006/diagram" xmlns:o="urn:schemas-microsoft-com:office:office" xmlns:v="urn:schemas-microsoft-com:vml" xmlns:pvml="urn:schemas-microsoft-com:office:powerpoint" xmlns:com="http://schemas.openxmlformats.org/drawingml/2006/compatibility" xmlns:p14="http://schemas.microsoft.com/office/powerpoint/2010/main" xmlns:p15="http://schemas.microsoft.com/office/powerpoint/2012/main" xmlns:ahyp="http://schemas.microsoft.com/office/drawing/2018/hyperlinkcolor">
-  <p:cmAuthor clrIdx="0" id="0" initials="" lastIdx="3" name="Manuel García Plaza"/>
-</p:cmAuthorLst>
-</file>
-
-<file path=ppt/comments/comment1.xml><?xml version="1.0" encoding="utf-8"?>
-<p:cmLst xmlns:a="http://schemas.openxmlformats.org/drawingml/2006/main" xmlns:r="http://schemas.openxmlformats.org/officeDocument/2006/relationships" xmlns:mc="http://schemas.openxmlformats.org/markup-compatibility/2006" xmlns:mv="urn:schemas-microsoft-com:mac:vml" xmlns:p="http://schemas.openxmlformats.org/presentationml/2006/main" xmlns:c="http://schemas.openxmlformats.org/drawingml/2006/chart" xmlns:dgm="http://schemas.openxmlformats.org/drawingml/2006/diagram" xmlns:o="urn:schemas-microsoft-com:office:office" xmlns:v="urn:schemas-microsoft-com:vml" xmlns:pvml="urn:schemas-microsoft-com:office:powerpoint" xmlns:com="http://schemas.openxmlformats.org/drawingml/2006/compatibility" xmlns:p14="http://schemas.microsoft.com/office/powerpoint/2010/main" xmlns:p15="http://schemas.microsoft.com/office/powerpoint/2012/main" xmlns:ahyp="http://schemas.microsoft.com/office/drawing/2018/hyperlinkcolor">
-  <p:cm authorId="0" idx="1" dt="2023-06-04T17:15:47.675">
-    <p:pos x="6000" y="0"/>
-    <p:text>la anterior diapositiva sí es la serie original</p:text>
-  </p:cm>
-  <p:cm authorId="0" idx="2" dt="2023-06-04T17:04:31.728">
-    <p:pos x="6000" y="100"/>
-    <p:text>o simplemente poner un pie de pagina que es la transformada y ya</p:text>
-  </p:cm>
-  <p:cm authorId="0" idx="3" dt="2023-06-04T17:01:44.473">
-    <p:pos x="0" y="585"/>
-    <p:text>ojo que estas predicciones son para la serie transformada, no para la original. No sé si entonces tiene sentido la frase de abajo y si deberiamos cambiar los valores de la tabla por los transformados con boxcox</p:text>
-  </p:cm>
-</p:cmLst>
 </file>
 
 <file path=ppt/notesMasters/notesMaster1.xml><?xml version="1.0" encoding="utf-8"?>
@@ -10223,8 +10200,8 @@
         </p:nvSpPr>
         <p:spPr>
           <a:xfrm flipH="1">
-            <a:off x="9615725" y="294700"/>
-            <a:ext cx="318900" cy="1094100"/>
+            <a:off x="9684725" y="458400"/>
+            <a:ext cx="585900" cy="930300"/>
           </a:xfrm>
           <a:prstGeom prst="rect">
             <a:avLst/>
@@ -10309,7 +10286,7 @@
             <a:tbl>
               <a:tblPr>
                 <a:noFill/>
-                <a:tableStyleId>{27121B76-D21F-4277-B077-406C0E2C91C3}</a:tableStyleId>
+                <a:tableStyleId>{42F5AB40-BFC0-4430-B838-8A1CA7B4EEF6}</a:tableStyleId>
               </a:tblPr>
               <a:tblGrid>
                 <a:gridCol w="597425"/>
@@ -11729,7 +11706,7 @@
             <a:tbl>
               <a:tblPr>
                 <a:noFill/>
-                <a:tableStyleId>{27121B76-D21F-4277-B077-406C0E2C91C3}</a:tableStyleId>
+                <a:tableStyleId>{42F5AB40-BFC0-4430-B838-8A1CA7B4EEF6}</a:tableStyleId>
               </a:tblPr>
               <a:tblGrid>
                 <a:gridCol w="612250"/>
@@ -13366,7 +13343,7 @@
             <a:tbl>
               <a:tblPr>
                 <a:noFill/>
-                <a:tableStyleId>{27121B76-D21F-4277-B077-406C0E2C91C3}</a:tableStyleId>
+                <a:tableStyleId>{42F5AB40-BFC0-4430-B838-8A1CA7B4EEF6}</a:tableStyleId>
               </a:tblPr>
               <a:tblGrid>
                 <a:gridCol w="1156975"/>
@@ -14258,7 +14235,7 @@
             <a:tbl>
               <a:tblPr>
                 <a:noFill/>
-                <a:tableStyleId>{27121B76-D21F-4277-B077-406C0E2C91C3}</a:tableStyleId>
+                <a:tableStyleId>{42F5AB40-BFC0-4430-B838-8A1CA7B4EEF6}</a:tableStyleId>
               </a:tblPr>
               <a:tblGrid>
                 <a:gridCol w="5061600"/>
@@ -14307,7 +14284,7 @@
             <a:tbl>
               <a:tblPr>
                 <a:noFill/>
-                <a:tableStyleId>{27121B76-D21F-4277-B077-406C0E2C91C3}</a:tableStyleId>
+                <a:tableStyleId>{42F5AB40-BFC0-4430-B838-8A1CA7B4EEF6}</a:tableStyleId>
               </a:tblPr>
               <a:tblGrid>
                 <a:gridCol w="1687200"/>
@@ -14495,7 +14472,7 @@
         </p:blipFill>
         <p:spPr>
           <a:xfrm>
-            <a:off x="175975" y="783375"/>
+            <a:off x="190775" y="811837"/>
             <a:ext cx="8891827" cy="3125151"/>
           </a:xfrm>
           <a:prstGeom prst="rect">
@@ -14563,7 +14540,7 @@
             <a:tbl>
               <a:tblPr>
                 <a:noFill/>
-                <a:tableStyleId>{27121B76-D21F-4277-B077-406C0E2C91C3}</a:tableStyleId>
+                <a:tableStyleId>{42F5AB40-BFC0-4430-B838-8A1CA7B4EEF6}</a:tableStyleId>
               </a:tblPr>
               <a:tblGrid>
                 <a:gridCol w="883500"/>
@@ -15935,7 +15912,7 @@
             <a:tbl>
               <a:tblPr>
                 <a:noFill/>
-                <a:tableStyleId>{27121B76-D21F-4277-B077-406C0E2C91C3}</a:tableStyleId>
+                <a:tableStyleId>{42F5AB40-BFC0-4430-B838-8A1CA7B4EEF6}</a:tableStyleId>
               </a:tblPr>
               <a:tblGrid>
                 <a:gridCol w="754575"/>
@@ -16962,7 +16939,7 @@
         </p:nvSpPr>
         <p:spPr>
           <a:xfrm>
-            <a:off x="51675" y="3768750"/>
+            <a:off x="51675" y="4073550"/>
             <a:ext cx="9144000" cy="1310400"/>
           </a:xfrm>
           <a:prstGeom prst="rect">
@@ -17209,7 +17186,7 @@
         <p:spPr>
           <a:xfrm>
             <a:off x="565800" y="974650"/>
-            <a:ext cx="8012400" cy="2685000"/>
+            <a:ext cx="8201400" cy="3003600"/>
           </a:xfrm>
           <a:prstGeom prst="rect">
             <a:avLst/>
@@ -17248,7 +17225,15 @@
                   <a:schemeClr val="dk1"/>
                 </a:solidFill>
               </a:rPr>
-              <a:t>The only useful test for discarding models has been Ljung-Box (the conclusions from that test are that the residuals of models 5 and 9 are not iid).</a:t>
+              <a:t>I</a:t>
+            </a:r>
+            <a:r>
+              <a:rPr lang="af" sz="1800">
+                <a:solidFill>
+                  <a:schemeClr val="dk1"/>
+                </a:solidFill>
+              </a:rPr>
+              <a:t>n general, the tests do not “make differences” between models. In fact, it seems that the residuals are normally distributed.</a:t>
             </a:r>
             <a:endParaRPr sz="1800">
               <a:solidFill>
@@ -17280,7 +17265,7 @@
                   <a:schemeClr val="dk1"/>
                 </a:solidFill>
               </a:rPr>
-              <a:t>Since the other tests do not “make differences” between tests, we cannot state anything else about the residuals of the three model candidates.</a:t>
+              <a:t>The test based on the ACF of the residuals is confusing because there are some values that could be considered borderlines. Ljung-Box test is the only one that provides statistical evidence that the residuals of models 5 and 9 are not iid. </a:t>
             </a:r>
             <a:endParaRPr sz="1800">
               <a:solidFill>
@@ -17312,7 +17297,23 @@
                   <a:schemeClr val="dk1"/>
                 </a:solidFill>
               </a:rPr>
-              <a:t>Our final model will be Model 4, which was </a:t>
+              <a:t>Thus, </a:t>
+            </a:r>
+            <a:r>
+              <a:rPr lang="af" sz="1800" u="sng">
+                <a:solidFill>
+                  <a:schemeClr val="dk1"/>
+                </a:solidFill>
+              </a:rPr>
+              <a:t>our final model will be Model 4</a:t>
+            </a:r>
+            <a:r>
+              <a:rPr lang="af" sz="1800">
+                <a:solidFill>
+                  <a:schemeClr val="dk1"/>
+                </a:solidFill>
+              </a:rPr>
+              <a:t>, which was </a:t>
             </a:r>
             <a:r>
               <a:rPr lang="af" sz="1820">
@@ -17374,7 +17375,7 @@
         </p:nvSpPr>
         <p:spPr>
           <a:xfrm>
-            <a:off x="5015125" y="2732950"/>
+            <a:off x="5616850" y="3024450"/>
             <a:ext cx="301500" cy="461700"/>
           </a:xfrm>
           <a:prstGeom prst="rect">
@@ -17425,7 +17426,7 @@
         </p:nvSpPr>
         <p:spPr>
           <a:xfrm>
-            <a:off x="8168425" y="3659650"/>
+            <a:off x="8168425" y="3925025"/>
             <a:ext cx="344700" cy="461700"/>
           </a:xfrm>
           <a:prstGeom prst="rect">
@@ -17845,7 +17846,7 @@
             <a:tbl>
               <a:tblPr>
                 <a:noFill/>
-                <a:tableStyleId>{27121B76-D21F-4277-B077-406C0E2C91C3}</a:tableStyleId>
+                <a:tableStyleId>{42F5AB40-BFC0-4430-B838-8A1CA7B4EEF6}</a:tableStyleId>
               </a:tblPr>
               <a:tblGrid>
                 <a:gridCol w="650325"/>
@@ -18598,7 +18599,7 @@
           <p:nvPr/>
         </p:nvPicPr>
         <p:blipFill rotWithShape="1">
-          <a:blip r:embed="rId4">
+          <a:blip r:embed="rId3">
             <a:alphaModFix/>
           </a:blip>
           <a:srcRect b="8430" l="4256" r="3806" t="4026"/>
@@ -18654,7 +18655,7 @@
             </a:pPr>
             <a:r>
               <a:rPr b="1" lang="af"/>
-              <a:t>Predicted cement in millions of tons produced</a:t>
+              <a:t>Predicted values of the transformed original series</a:t>
             </a:r>
             <a:endParaRPr b="1"/>
           </a:p>
@@ -18668,8 +18669,8 @@
         </p:nvSpPr>
         <p:spPr>
           <a:xfrm>
-            <a:off x="353450" y="4375550"/>
-            <a:ext cx="8333700" cy="677100"/>
+            <a:off x="311700" y="4451050"/>
+            <a:ext cx="8333700" cy="431100"/>
           </a:xfrm>
           <a:prstGeom prst="rect">
             <a:avLst/>
@@ -18695,12 +18696,20 @@
               <a:buNone/>
             </a:pPr>
             <a:r>
+              <a:rPr b="1" lang="af" sz="1600">
+                <a:solidFill>
+                  <a:schemeClr val="dk1"/>
+                </a:solidFill>
+              </a:rPr>
+              <a:t>Note:</a:t>
+            </a:r>
+            <a:r>
               <a:rPr lang="af" sz="1600">
                 <a:solidFill>
                   <a:schemeClr val="dk1"/>
                 </a:solidFill>
               </a:rPr>
-              <a:t>Annually, the estimated total production of cement increases around 2%, except in 2020, where the annual increase is of 3.1%.</a:t>
+              <a:t> the predictions are given on the transformed original series by Box-Cox.</a:t>
             </a:r>
             <a:endParaRPr sz="1600">
               <a:solidFill>
@@ -20507,6 +20516,285 @@
 </file>
 
 <file path=ppt/theme/theme1.xml><?xml version="1.0" encoding="utf-8"?>
+<a:theme xmlns:a="http://schemas.openxmlformats.org/drawingml/2006/main" xmlns:r="http://schemas.openxmlformats.org/officeDocument/2006/relationships">
+  <a:themeElements>
+    <a:clrScheme name="Default">
+      <a:dk1>
+        <a:srgbClr val="000000"/>
+      </a:dk1>
+      <a:lt1>
+        <a:srgbClr val="FFFFFF"/>
+      </a:lt1>
+      <a:dk2>
+        <a:srgbClr val="158158"/>
+      </a:dk2>
+      <a:lt2>
+        <a:srgbClr val="F3F3F3"/>
+      </a:lt2>
+      <a:accent1>
+        <a:srgbClr val="058DC7"/>
+      </a:accent1>
+      <a:accent2>
+        <a:srgbClr val="50B432"/>
+      </a:accent2>
+      <a:accent3>
+        <a:srgbClr val="ED561B"/>
+      </a:accent3>
+      <a:accent4>
+        <a:srgbClr val="EDEF00"/>
+      </a:accent4>
+      <a:accent5>
+        <a:srgbClr val="24CBE5"/>
+      </a:accent5>
+      <a:accent6>
+        <a:srgbClr val="64E572"/>
+      </a:accent6>
+      <a:hlink>
+        <a:srgbClr val="2200CC"/>
+      </a:hlink>
+      <a:folHlink>
+        <a:srgbClr val="551A8B"/>
+      </a:folHlink>
+    </a:clrScheme>
+    <a:fontScheme name="Office">
+      <a:majorFont>
+        <a:latin typeface="Arial"/>
+        <a:ea typeface=""/>
+        <a:cs typeface=""/>
+        <a:font script="Jpan" typeface="ＭＳ Ｐゴシック"/>
+        <a:font script="Hang" typeface="맑은 고딕"/>
+        <a:font script="Hans" typeface="宋体"/>
+        <a:font script="Hant" typeface="新細明體"/>
+        <a:font script="Arab" typeface="Times New Roman"/>
+        <a:font script="Hebr" typeface="Times New Roman"/>
+        <a:font script="Thai" typeface="Angsana New"/>
+        <a:font script="Ethi" typeface="Nyala"/>
+        <a:font script="Beng" typeface="Vrinda"/>
+        <a:font script="Gujr" typeface="Shruti"/>
+        <a:font script="Khmr" typeface="MoolBoran"/>
+        <a:font script="Knda" typeface="Tunga"/>
+        <a:font script="Guru" typeface="Raavi"/>
+        <a:font script="Cans" typeface="Euphemia"/>
+        <a:font script="Cher" typeface="Plantagenet Cherokee"/>
+        <a:font script="Yiii" typeface="Microsoft Yi Baiti"/>
+        <a:font script="Tibt" typeface="Microsoft Himalaya"/>
+        <a:font script="Thaa" typeface="MV Boli"/>
+        <a:font script="Deva" typeface="Mangal"/>
+        <a:font script="Telu" typeface="Gautami"/>
+        <a:font script="Taml" typeface="Latha"/>
+        <a:font script="Syrc" typeface="Estrangelo Edessa"/>
+        <a:font script="Orya" typeface="Kalinga"/>
+        <a:font script="Mlym" typeface="Kartika"/>
+        <a:font script="Laoo" typeface="DokChampa"/>
+        <a:font script="Sinh" typeface="Iskoola Pota"/>
+        <a:font script="Mong" typeface="Mongolian Baiti"/>
+        <a:font script="Viet" typeface="Times New Roman"/>
+        <a:font script="Uigh" typeface="Microsoft Uighur"/>
+        <a:font script="Geor" typeface="Sylfaen"/>
+      </a:majorFont>
+      <a:minorFont>
+        <a:latin typeface="Arial"/>
+        <a:ea typeface=""/>
+        <a:cs typeface=""/>
+        <a:font script="Jpan" typeface="ＭＳ Ｐゴシック"/>
+        <a:font script="Hang" typeface="맑은 고딕"/>
+        <a:font script="Hans" typeface="宋体"/>
+        <a:font script="Hant" typeface="新細明體"/>
+        <a:font script="Arab" typeface="Arial"/>
+        <a:font script="Hebr" typeface="Arial"/>
+        <a:font script="Thai" typeface="Cordia New"/>
+        <a:font script="Ethi" typeface="Nyala"/>
+        <a:font script="Beng" typeface="Vrinda"/>
+        <a:font script="Gujr" typeface="Shruti"/>
+        <a:font script="Khmr" typeface="DaunPenh"/>
+        <a:font script="Knda" typeface="Tunga"/>
+        <a:font script="Guru" typeface="Raavi"/>
+        <a:font script="Cans" typeface="Euphemia"/>
+        <a:font script="Cher" typeface="Plantagenet Cherokee"/>
+        <a:font script="Yiii" typeface="Microsoft Yi Baiti"/>
+        <a:font script="Tibt" typeface="Microsoft Himalaya"/>
+        <a:font script="Thaa" typeface="MV Boli"/>
+        <a:font script="Deva" typeface="Mangal"/>
+        <a:font script="Telu" typeface="Gautami"/>
+        <a:font script="Taml" typeface="Latha"/>
+        <a:font script="Syrc" typeface="Estrangelo Edessa"/>
+        <a:font script="Orya" typeface="Kalinga"/>
+        <a:font script="Mlym" typeface="Kartika"/>
+        <a:font script="Laoo" typeface="DokChampa"/>
+        <a:font script="Sinh" typeface="Iskoola Pota"/>
+        <a:font script="Mong" typeface="Mongolian Baiti"/>
+        <a:font script="Viet" typeface="Arial"/>
+        <a:font script="Uigh" typeface="Microsoft Uighur"/>
+        <a:font script="Geor" typeface="Sylfaen"/>
+      </a:minorFont>
+    </a:fontScheme>
+    <a:fmtScheme name="Office">
+      <a:fillStyleLst>
+        <a:solidFill>
+          <a:schemeClr val="phClr"/>
+        </a:solidFill>
+        <a:gradFill rotWithShape="1">
+          <a:gsLst>
+            <a:gs pos="0">
+              <a:schemeClr val="phClr">
+                <a:tint val="50000"/>
+                <a:satMod val="300000"/>
+              </a:schemeClr>
+            </a:gs>
+            <a:gs pos="35000">
+              <a:schemeClr val="phClr">
+                <a:tint val="37000"/>
+                <a:satMod val="300000"/>
+              </a:schemeClr>
+            </a:gs>
+            <a:gs pos="100000">
+              <a:schemeClr val="phClr">
+                <a:tint val="15000"/>
+                <a:satMod val="350000"/>
+              </a:schemeClr>
+            </a:gs>
+          </a:gsLst>
+          <a:lin ang="16200000" scaled="1"/>
+        </a:gradFill>
+        <a:gradFill rotWithShape="1">
+          <a:gsLst>
+            <a:gs pos="0">
+              <a:schemeClr val="phClr">
+                <a:tint val="100000"/>
+                <a:shade val="100000"/>
+                <a:satMod val="130000"/>
+              </a:schemeClr>
+            </a:gs>
+            <a:gs pos="100000">
+              <a:schemeClr val="phClr">
+                <a:tint val="50000"/>
+                <a:shade val="100000"/>
+                <a:satMod val="350000"/>
+              </a:schemeClr>
+            </a:gs>
+          </a:gsLst>
+          <a:lin ang="16200000" scaled="0"/>
+        </a:gradFill>
+      </a:fillStyleLst>
+      <a:lnStyleLst>
+        <a:ln w="9525" cap="flat" cmpd="sng" algn="ctr">
+          <a:solidFill>
+            <a:schemeClr val="phClr">
+              <a:shade val="95000"/>
+              <a:satMod val="105000"/>
+            </a:schemeClr>
+          </a:solidFill>
+          <a:prstDash val="solid"/>
+        </a:ln>
+        <a:ln w="25400" cap="flat" cmpd="sng" algn="ctr">
+          <a:solidFill>
+            <a:schemeClr val="phClr"/>
+          </a:solidFill>
+          <a:prstDash val="solid"/>
+        </a:ln>
+        <a:ln w="38100" cap="flat" cmpd="sng" algn="ctr">
+          <a:solidFill>
+            <a:schemeClr val="phClr"/>
+          </a:solidFill>
+          <a:prstDash val="solid"/>
+        </a:ln>
+      </a:lnStyleLst>
+      <a:effectStyleLst>
+        <a:effectStyle>
+          <a:effectLst>
+            <a:outerShdw blurRad="40000" dist="20000" dir="5400000" rotWithShape="0">
+              <a:srgbClr val="000000">
+                <a:alpha val="38000"/>
+              </a:srgbClr>
+            </a:outerShdw>
+          </a:effectLst>
+        </a:effectStyle>
+        <a:effectStyle>
+          <a:effectLst>
+            <a:outerShdw blurRad="40000" dist="23000" dir="5400000" rotWithShape="0">
+              <a:srgbClr val="000000">
+                <a:alpha val="35000"/>
+              </a:srgbClr>
+            </a:outerShdw>
+          </a:effectLst>
+        </a:effectStyle>
+        <a:effectStyle>
+          <a:effectLst>
+            <a:outerShdw blurRad="40000" dist="23000" dir="5400000" rotWithShape="0">
+              <a:srgbClr val="000000">
+                <a:alpha val="35000"/>
+              </a:srgbClr>
+            </a:outerShdw>
+          </a:effectLst>
+          <a:scene3d>
+            <a:camera prst="orthographicFront">
+              <a:rot lat="0" lon="0" rev="0"/>
+            </a:camera>
+            <a:lightRig rig="threePt" dir="t">
+              <a:rot lat="0" lon="0" rev="1200000"/>
+            </a:lightRig>
+          </a:scene3d>
+          <a:sp3d>
+            <a:bevelT w="63500" h="25400"/>
+          </a:sp3d>
+        </a:effectStyle>
+      </a:effectStyleLst>
+      <a:bgFillStyleLst>
+        <a:solidFill>
+          <a:schemeClr val="phClr"/>
+        </a:solidFill>
+        <a:gradFill rotWithShape="1">
+          <a:gsLst>
+            <a:gs pos="0">
+              <a:schemeClr val="phClr">
+                <a:tint val="40000"/>
+                <a:satMod val="350000"/>
+              </a:schemeClr>
+            </a:gs>
+            <a:gs pos="40000">
+              <a:schemeClr val="phClr">
+                <a:tint val="45000"/>
+                <a:shade val="99000"/>
+                <a:satMod val="350000"/>
+              </a:schemeClr>
+            </a:gs>
+            <a:gs pos="100000">
+              <a:schemeClr val="phClr">
+                <a:shade val="20000"/>
+                <a:satMod val="255000"/>
+              </a:schemeClr>
+            </a:gs>
+          </a:gsLst>
+          <a:path path="circle">
+            <a:fillToRect l="50000" t="-80000" r="50000" b="180000"/>
+          </a:path>
+        </a:gradFill>
+        <a:gradFill rotWithShape="1">
+          <a:gsLst>
+            <a:gs pos="0">
+              <a:schemeClr val="phClr">
+                <a:tint val="80000"/>
+                <a:satMod val="300000"/>
+              </a:schemeClr>
+            </a:gs>
+            <a:gs pos="100000">
+              <a:schemeClr val="phClr">
+                <a:shade val="30000"/>
+                <a:satMod val="200000"/>
+              </a:schemeClr>
+            </a:gs>
+          </a:gsLst>
+          <a:path path="circle">
+            <a:fillToRect l="50000" t="50000" r="50000" b="50000"/>
+          </a:path>
+        </a:gradFill>
+      </a:bgFillStyleLst>
+    </a:fmtScheme>
+  </a:themeElements>
+</a:theme>
+</file>
+
+<file path=ppt/theme/theme2.xml><?xml version="1.0" encoding="utf-8"?>
 <a:theme xmlns:a="http://schemas.openxmlformats.org/drawingml/2006/main" xmlns:r="http://schemas.openxmlformats.org/officeDocument/2006/relationships" name="Simple Light">
   <a:themeElements>
     <a:clrScheme name="Simple Light">
@@ -20783,283 +21071,4 @@
     </a:fmtScheme>
   </a:themeElements>
 </a:theme>
-</file>
-
-<file path=ppt/theme/theme2.xml><?xml version="1.0" encoding="utf-8"?>
-<a:theme xmlns:a="http://schemas.openxmlformats.org/drawingml/2006/main" xmlns:r="http://schemas.openxmlformats.org/officeDocument/2006/relationships">
-  <a:themeElements>
-    <a:clrScheme name="Default">
-      <a:dk1>
-        <a:srgbClr val="000000"/>
-      </a:dk1>
-      <a:lt1>
-        <a:srgbClr val="FFFFFF"/>
-      </a:lt1>
-      <a:dk2>
-        <a:srgbClr val="158158"/>
-      </a:dk2>
-      <a:lt2>
-        <a:srgbClr val="F3F3F3"/>
-      </a:lt2>
-      <a:accent1>
-        <a:srgbClr val="058DC7"/>
-      </a:accent1>
-      <a:accent2>
-        <a:srgbClr val="50B432"/>
-      </a:accent2>
-      <a:accent3>
-        <a:srgbClr val="ED561B"/>
-      </a:accent3>
-      <a:accent4>
-        <a:srgbClr val="EDEF00"/>
-      </a:accent4>
-      <a:accent5>
-        <a:srgbClr val="24CBE5"/>
-      </a:accent5>
-      <a:accent6>
-        <a:srgbClr val="64E572"/>
-      </a:accent6>
-      <a:hlink>
-        <a:srgbClr val="2200CC"/>
-      </a:hlink>
-      <a:folHlink>
-        <a:srgbClr val="551A8B"/>
-      </a:folHlink>
-    </a:clrScheme>
-    <a:fontScheme name="Office">
-      <a:majorFont>
-        <a:latin typeface="Arial"/>
-        <a:ea typeface=""/>
-        <a:cs typeface=""/>
-        <a:font script="Jpan" typeface="ＭＳ Ｐゴシック"/>
-        <a:font script="Hang" typeface="맑은 고딕"/>
-        <a:font script="Hans" typeface="宋体"/>
-        <a:font script="Hant" typeface="新細明體"/>
-        <a:font script="Arab" typeface="Times New Roman"/>
-        <a:font script="Hebr" typeface="Times New Roman"/>
-        <a:font script="Thai" typeface="Angsana New"/>
-        <a:font script="Ethi" typeface="Nyala"/>
-        <a:font script="Beng" typeface="Vrinda"/>
-        <a:font script="Gujr" typeface="Shruti"/>
-        <a:font script="Khmr" typeface="MoolBoran"/>
-        <a:font script="Knda" typeface="Tunga"/>
-        <a:font script="Guru" typeface="Raavi"/>
-        <a:font script="Cans" typeface="Euphemia"/>
-        <a:font script="Cher" typeface="Plantagenet Cherokee"/>
-        <a:font script="Yiii" typeface="Microsoft Yi Baiti"/>
-        <a:font script="Tibt" typeface="Microsoft Himalaya"/>
-        <a:font script="Thaa" typeface="MV Boli"/>
-        <a:font script="Deva" typeface="Mangal"/>
-        <a:font script="Telu" typeface="Gautami"/>
-        <a:font script="Taml" typeface="Latha"/>
-        <a:font script="Syrc" typeface="Estrangelo Edessa"/>
-        <a:font script="Orya" typeface="Kalinga"/>
-        <a:font script="Mlym" typeface="Kartika"/>
-        <a:font script="Laoo" typeface="DokChampa"/>
-        <a:font script="Sinh" typeface="Iskoola Pota"/>
-        <a:font script="Mong" typeface="Mongolian Baiti"/>
-        <a:font script="Viet" typeface="Times New Roman"/>
-        <a:font script="Uigh" typeface="Microsoft Uighur"/>
-        <a:font script="Geor" typeface="Sylfaen"/>
-      </a:majorFont>
-      <a:minorFont>
-        <a:latin typeface="Arial"/>
-        <a:ea typeface=""/>
-        <a:cs typeface=""/>
-        <a:font script="Jpan" typeface="ＭＳ Ｐゴシック"/>
-        <a:font script="Hang" typeface="맑은 고딕"/>
-        <a:font script="Hans" typeface="宋体"/>
-        <a:font script="Hant" typeface="新細明體"/>
-        <a:font script="Arab" typeface="Arial"/>
-        <a:font script="Hebr" typeface="Arial"/>
-        <a:font script="Thai" typeface="Cordia New"/>
-        <a:font script="Ethi" typeface="Nyala"/>
-        <a:font script="Beng" typeface="Vrinda"/>
-        <a:font script="Gujr" typeface="Shruti"/>
-        <a:font script="Khmr" typeface="DaunPenh"/>
-        <a:font script="Knda" typeface="Tunga"/>
-        <a:font script="Guru" typeface="Raavi"/>
-        <a:font script="Cans" typeface="Euphemia"/>
-        <a:font script="Cher" typeface="Plantagenet Cherokee"/>
-        <a:font script="Yiii" typeface="Microsoft Yi Baiti"/>
-        <a:font script="Tibt" typeface="Microsoft Himalaya"/>
-        <a:font script="Thaa" typeface="MV Boli"/>
-        <a:font script="Deva" typeface="Mangal"/>
-        <a:font script="Telu" typeface="Gautami"/>
-        <a:font script="Taml" typeface="Latha"/>
-        <a:font script="Syrc" typeface="Estrangelo Edessa"/>
-        <a:font script="Orya" typeface="Kalinga"/>
-        <a:font script="Mlym" typeface="Kartika"/>
-        <a:font script="Laoo" typeface="DokChampa"/>
-        <a:font script="Sinh" typeface="Iskoola Pota"/>
-        <a:font script="Mong" typeface="Mongolian Baiti"/>
-        <a:font script="Viet" typeface="Arial"/>
-        <a:font script="Uigh" typeface="Microsoft Uighur"/>
-        <a:font script="Geor" typeface="Sylfaen"/>
-      </a:minorFont>
-    </a:fontScheme>
-    <a:fmtScheme name="Office">
-      <a:fillStyleLst>
-        <a:solidFill>
-          <a:schemeClr val="phClr"/>
-        </a:solidFill>
-        <a:gradFill rotWithShape="1">
-          <a:gsLst>
-            <a:gs pos="0">
-              <a:schemeClr val="phClr">
-                <a:tint val="50000"/>
-                <a:satMod val="300000"/>
-              </a:schemeClr>
-            </a:gs>
-            <a:gs pos="35000">
-              <a:schemeClr val="phClr">
-                <a:tint val="37000"/>
-                <a:satMod val="300000"/>
-              </a:schemeClr>
-            </a:gs>
-            <a:gs pos="100000">
-              <a:schemeClr val="phClr">
-                <a:tint val="15000"/>
-                <a:satMod val="350000"/>
-              </a:schemeClr>
-            </a:gs>
-          </a:gsLst>
-          <a:lin ang="16200000" scaled="1"/>
-        </a:gradFill>
-        <a:gradFill rotWithShape="1">
-          <a:gsLst>
-            <a:gs pos="0">
-              <a:schemeClr val="phClr">
-                <a:tint val="100000"/>
-                <a:shade val="100000"/>
-                <a:satMod val="130000"/>
-              </a:schemeClr>
-            </a:gs>
-            <a:gs pos="100000">
-              <a:schemeClr val="phClr">
-                <a:tint val="50000"/>
-                <a:shade val="100000"/>
-                <a:satMod val="350000"/>
-              </a:schemeClr>
-            </a:gs>
-          </a:gsLst>
-          <a:lin ang="16200000" scaled="0"/>
-        </a:gradFill>
-      </a:fillStyleLst>
-      <a:lnStyleLst>
-        <a:ln w="9525" cap="flat" cmpd="sng" algn="ctr">
-          <a:solidFill>
-            <a:schemeClr val="phClr">
-              <a:shade val="95000"/>
-              <a:satMod val="105000"/>
-            </a:schemeClr>
-          </a:solidFill>
-          <a:prstDash val="solid"/>
-        </a:ln>
-        <a:ln w="25400" cap="flat" cmpd="sng" algn="ctr">
-          <a:solidFill>
-            <a:schemeClr val="phClr"/>
-          </a:solidFill>
-          <a:prstDash val="solid"/>
-        </a:ln>
-        <a:ln w="38100" cap="flat" cmpd="sng" algn="ctr">
-          <a:solidFill>
-            <a:schemeClr val="phClr"/>
-          </a:solidFill>
-          <a:prstDash val="solid"/>
-        </a:ln>
-      </a:lnStyleLst>
-      <a:effectStyleLst>
-        <a:effectStyle>
-          <a:effectLst>
-            <a:outerShdw blurRad="40000" dist="20000" dir="5400000" rotWithShape="0">
-              <a:srgbClr val="000000">
-                <a:alpha val="38000"/>
-              </a:srgbClr>
-            </a:outerShdw>
-          </a:effectLst>
-        </a:effectStyle>
-        <a:effectStyle>
-          <a:effectLst>
-            <a:outerShdw blurRad="40000" dist="23000" dir="5400000" rotWithShape="0">
-              <a:srgbClr val="000000">
-                <a:alpha val="35000"/>
-              </a:srgbClr>
-            </a:outerShdw>
-          </a:effectLst>
-        </a:effectStyle>
-        <a:effectStyle>
-          <a:effectLst>
-            <a:outerShdw blurRad="40000" dist="23000" dir="5400000" rotWithShape="0">
-              <a:srgbClr val="000000">
-                <a:alpha val="35000"/>
-              </a:srgbClr>
-            </a:outerShdw>
-          </a:effectLst>
-          <a:scene3d>
-            <a:camera prst="orthographicFront">
-              <a:rot lat="0" lon="0" rev="0"/>
-            </a:camera>
-            <a:lightRig rig="threePt" dir="t">
-              <a:rot lat="0" lon="0" rev="1200000"/>
-            </a:lightRig>
-          </a:scene3d>
-          <a:sp3d>
-            <a:bevelT w="63500" h="25400"/>
-          </a:sp3d>
-        </a:effectStyle>
-      </a:effectStyleLst>
-      <a:bgFillStyleLst>
-        <a:solidFill>
-          <a:schemeClr val="phClr"/>
-        </a:solidFill>
-        <a:gradFill rotWithShape="1">
-          <a:gsLst>
-            <a:gs pos="0">
-              <a:schemeClr val="phClr">
-                <a:tint val="40000"/>
-                <a:satMod val="350000"/>
-              </a:schemeClr>
-            </a:gs>
-            <a:gs pos="40000">
-              <a:schemeClr val="phClr">
-                <a:tint val="45000"/>
-                <a:shade val="99000"/>
-                <a:satMod val="350000"/>
-              </a:schemeClr>
-            </a:gs>
-            <a:gs pos="100000">
-              <a:schemeClr val="phClr">
-                <a:shade val="20000"/>
-                <a:satMod val="255000"/>
-              </a:schemeClr>
-            </a:gs>
-          </a:gsLst>
-          <a:path path="circle">
-            <a:fillToRect l="50000" t="-80000" r="50000" b="180000"/>
-          </a:path>
-        </a:gradFill>
-        <a:gradFill rotWithShape="1">
-          <a:gsLst>
-            <a:gs pos="0">
-              <a:schemeClr val="phClr">
-                <a:tint val="80000"/>
-                <a:satMod val="300000"/>
-              </a:schemeClr>
-            </a:gs>
-            <a:gs pos="100000">
-              <a:schemeClr val="phClr">
-                <a:shade val="30000"/>
-                <a:satMod val="200000"/>
-              </a:schemeClr>
-            </a:gs>
-          </a:gsLst>
-          <a:path path="circle">
-            <a:fillToRect l="50000" t="50000" r="50000" b="50000"/>
-          </a:path>
-        </a:gradFill>
-      </a:bgFillStyleLst>
-    </a:fmtScheme>
-  </a:themeElements>
-</a:theme>
 </file>
--- a/final project.pptx
+++ b/final project.pptx
@@ -7922,7 +7922,7 @@
         </p:spPr>
         <p:txBody>
           <a:bodyPr anchorCtr="0" anchor="t" bIns="91425" lIns="91425" spcFirstLastPara="1" rIns="91425" wrap="square" tIns="91425">
-            <a:normAutofit/>
+            <a:normAutofit fontScale="47500"/>
           </a:bodyPr>
           <a:lstStyle/>
           <a:p>
@@ -7936,7 +7936,7 @@
               <a:buNone/>
             </a:pPr>
             <a:r>
-              <a:rPr lang="af" sz="1600">
+              <a:rPr lang="af" sz="2563">
                 <a:solidFill>
                   <a:schemeClr val="dk1"/>
                 </a:solidFill>
@@ -7944,12 +7944,53 @@
                   <a:srgbClr val="FFFFFF"/>
                 </a:highlight>
               </a:rPr>
-              <a:t>The graph and the ACF do not show obvious deviations from stationarity.</a:t>
+              <a:t>The graph and the ACF do not show obvious deviations from stationarity. In fact, the mean is </a:t>
+            </a:r>
+            <a:r>
+              <a:rPr lang="af" sz="2563">
+                <a:solidFill>
+                  <a:srgbClr val="333333"/>
+                </a:solidFill>
+                <a:highlight>
+                  <a:srgbClr val="FFFFFF"/>
+                </a:highlight>
+              </a:rPr>
+              <a:t>-0.0005275175.</a:t>
+            </a:r>
+            <a:endParaRPr sz="2563">
+              <a:solidFill>
+                <a:srgbClr val="333333"/>
+              </a:solidFill>
+              <a:highlight>
+                <a:srgbClr val="FFFFFF"/>
+              </a:highlight>
+            </a:endParaRPr>
+          </a:p>
+          <a:p>
+            <a:pPr indent="0" lvl="0" marL="0" rtl="0" algn="l">
+              <a:spcBef>
+                <a:spcPts val="0"/>
+              </a:spcBef>
+              <a:spcAft>
+                <a:spcPts val="0"/>
+              </a:spcAft>
+              <a:buClr>
+                <a:srgbClr val="000000"/>
+              </a:buClr>
+              <a:buSzPct val="68750"/>
+              <a:buFont typeface="Arial"/>
+              <a:buNone/>
+            </a:pPr>
+            <a:r>
+              <a:t/>
             </a:r>
             <a:endParaRPr sz="1600">
               <a:solidFill>
                 <a:schemeClr val="dk1"/>
               </a:solidFill>
+              <a:highlight>
+                <a:srgbClr val="FFFFFF"/>
+              </a:highlight>
             </a:endParaRPr>
           </a:p>
         </p:txBody>
@@ -10286,7 +10327,7 @@
             <a:tbl>
               <a:tblPr>
                 <a:noFill/>
-                <a:tableStyleId>{42F5AB40-BFC0-4430-B838-8A1CA7B4EEF6}</a:tableStyleId>
+                <a:tableStyleId>{D914B26C-B9A1-4C1B-B243-E27F867EE729}</a:tableStyleId>
               </a:tblPr>
               <a:tblGrid>
                 <a:gridCol w="597425"/>
@@ -11706,7 +11747,7 @@
             <a:tbl>
               <a:tblPr>
                 <a:noFill/>
-                <a:tableStyleId>{42F5AB40-BFC0-4430-B838-8A1CA7B4EEF6}</a:tableStyleId>
+                <a:tableStyleId>{D914B26C-B9A1-4C1B-B243-E27F867EE729}</a:tableStyleId>
               </a:tblPr>
               <a:tblGrid>
                 <a:gridCol w="612250"/>
@@ -13343,7 +13384,7 @@
             <a:tbl>
               <a:tblPr>
                 <a:noFill/>
-                <a:tableStyleId>{42F5AB40-BFC0-4430-B838-8A1CA7B4EEF6}</a:tableStyleId>
+                <a:tableStyleId>{D914B26C-B9A1-4C1B-B243-E27F867EE729}</a:tableStyleId>
               </a:tblPr>
               <a:tblGrid>
                 <a:gridCol w="1156975"/>
@@ -14235,7 +14276,7 @@
             <a:tbl>
               <a:tblPr>
                 <a:noFill/>
-                <a:tableStyleId>{42F5AB40-BFC0-4430-B838-8A1CA7B4EEF6}</a:tableStyleId>
+                <a:tableStyleId>{D914B26C-B9A1-4C1B-B243-E27F867EE729}</a:tableStyleId>
               </a:tblPr>
               <a:tblGrid>
                 <a:gridCol w="5061600"/>
@@ -14284,7 +14325,7 @@
             <a:tbl>
               <a:tblPr>
                 <a:noFill/>
-                <a:tableStyleId>{42F5AB40-BFC0-4430-B838-8A1CA7B4EEF6}</a:tableStyleId>
+                <a:tableStyleId>{D914B26C-B9A1-4C1B-B243-E27F867EE729}</a:tableStyleId>
               </a:tblPr>
               <a:tblGrid>
                 <a:gridCol w="1687200"/>
@@ -14540,7 +14581,7 @@
             <a:tbl>
               <a:tblPr>
                 <a:noFill/>
-                <a:tableStyleId>{42F5AB40-BFC0-4430-B838-8A1CA7B4EEF6}</a:tableStyleId>
+                <a:tableStyleId>{D914B26C-B9A1-4C1B-B243-E27F867EE729}</a:tableStyleId>
               </a:tblPr>
               <a:tblGrid>
                 <a:gridCol w="883500"/>
@@ -15912,7 +15953,7 @@
             <a:tbl>
               <a:tblPr>
                 <a:noFill/>
-                <a:tableStyleId>{42F5AB40-BFC0-4430-B838-8A1CA7B4EEF6}</a:tableStyleId>
+                <a:tableStyleId>{D914B26C-B9A1-4C1B-B243-E27F867EE729}</a:tableStyleId>
               </a:tblPr>
               <a:tblGrid>
                 <a:gridCol w="754575"/>
@@ -17846,7 +17887,7 @@
             <a:tbl>
               <a:tblPr>
                 <a:noFill/>
-                <a:tableStyleId>{42F5AB40-BFC0-4430-B838-8A1CA7B4EEF6}</a:tableStyleId>
+                <a:tableStyleId>{D914B26C-B9A1-4C1B-B243-E27F867EE729}</a:tableStyleId>
               </a:tblPr>
               <a:tblGrid>
                 <a:gridCol w="650325"/>
